--- a/powerpoint/poker ai presentation.pptx
+++ b/powerpoint/poker ai presentation.pptx
@@ -3717,7 +3717,7 @@
           <a:p>
             <a:r>
               <a:rPr lang="en-US" dirty="0"/>
-              <a:t>Poker AI ()</a:t>
+              <a:t>Poker AI (setting up, training, testing, integration to game)</a:t>
             </a:r>
           </a:p>
         </p:txBody>
@@ -3801,7 +3801,25 @@
           <a:bodyPr/>
           <a:lstStyle/>
           <a:p>
-            <a:endParaRPr lang="en-US"/>
+            <a:r>
+              <a:rPr lang="en-US" dirty="0"/>
+              <a:t>How to format poker hands to use to train an AI model (i.e. cleaning data, conversion to numerical values)</a:t>
+            </a:r>
+          </a:p>
+          <a:p>
+            <a:r>
+              <a:rPr lang="en-US" dirty="0"/>
+              <a:t>Became more efficient in SQL (i.e. loading and extracting data from tables, setting up tables)</a:t>
+            </a:r>
+          </a:p>
+          <a:p>
+            <a:r>
+              <a:rPr lang="en-US" dirty="0"/>
+              <a:t>Learned about different AI models and what one would work best for us based on our plan (using a dataset to train it)</a:t>
+            </a:r>
+          </a:p>
+          <a:p>
+            <a:endParaRPr lang="en-US" dirty="0"/>
           </a:p>
         </p:txBody>
       </p:sp>
@@ -3884,7 +3902,38 @@
           <a:bodyPr/>
           <a:lstStyle/>
           <a:p>
-            <a:endParaRPr lang="en-US"/>
+            <a:r>
+              <a:rPr lang="en-US" dirty="0"/>
+              <a:t>Setting up the database so it stored the correct information to train the AI on and that each row showed the correct value (i.e. </a:t>
+            </a:r>
+            <a:r>
+              <a:rPr lang="en-US" dirty="0" err="1"/>
+              <a:t>player_hand_ranking</a:t>
+            </a:r>
+            <a:r>
+              <a:rPr lang="en-US" dirty="0"/>
+              <a:t> column problems)</a:t>
+            </a:r>
+          </a:p>
+          <a:p>
+            <a:r>
+              <a:rPr lang="en-US" dirty="0"/>
+              <a:t>Where our code crossed over with each other hand to change both of ours so things were formatted in the same way (i.e. how information was extracted from the game compared to how it was stored in the </a:t>
+            </a:r>
+            <a:r>
+              <a:rPr lang="en-US" dirty="0" err="1"/>
+              <a:t>db</a:t>
+            </a:r>
+            <a:r>
+              <a:rPr lang="en-US" dirty="0"/>
+              <a:t>)</a:t>
+            </a:r>
+          </a:p>
+          <a:p>
+            <a:r>
+              <a:rPr lang="en-US" dirty="0"/>
+              <a:t>Poker game or base model problems?</a:t>
+            </a:r>
           </a:p>
         </p:txBody>
       </p:sp>
@@ -3967,7 +4016,22 @@
           <a:bodyPr/>
           <a:lstStyle/>
           <a:p>
-            <a:endParaRPr lang="en-US"/>
+            <a:r>
+              <a:rPr lang="en-US" dirty="0"/>
+              <a:t>Improve AI model (Only gives what action to take based off information, improve it so it adjusts more to the players actions and how they play. Only learns a play style as of now based off the dataset it is trained on)</a:t>
+            </a:r>
+          </a:p>
+          <a:p>
+            <a:r>
+              <a:rPr lang="en-US" dirty="0"/>
+              <a:t>Make code more clean and efficient, some repeating of code where a function could have been made instead etc.</a:t>
+            </a:r>
+          </a:p>
+          <a:p>
+            <a:r>
+              <a:rPr lang="en-US" dirty="0"/>
+              <a:t>Improvements to poker game?</a:t>
+            </a:r>
           </a:p>
         </p:txBody>
       </p:sp>
@@ -4050,7 +4114,10 @@
           <a:bodyPr/>
           <a:lstStyle/>
           <a:p>
-            <a:endParaRPr lang="en-US"/>
+            <a:r>
+              <a:rPr lang="en-US" dirty="0"/>
+              <a:t>Thanks for your time</a:t>
+            </a:r>
           </a:p>
         </p:txBody>
       </p:sp>

--- a/powerpoint/poker ai presentation.pptx
+++ b/powerpoint/poker ai presentation.pptx
@@ -109,6 +109,11 @@
       </a:defRPr>
     </a:lvl9pPr>
   </p:defaultTextStyle>
+  <p:extLst>
+    <p:ext uri="{EFAFB233-063F-42B5-8137-9DF3F51BA10A}">
+      <p15:sldGuideLst xmlns:p15="http://schemas.microsoft.com/office/powerpoint/2012/main"/>
+    </p:ext>
+  </p:extLst>
 </p:presentation>
 </file>
 
@@ -251,7 +256,7 @@
           <a:p>
             <a:fld id="{48A87A34-81AB-432B-8DAE-1953F412C126}" type="datetimeFigureOut">
               <a:rPr lang="en-US" dirty="0"/>
-              <a:t>2/25/24</a:t>
+              <a:t>2/26/24</a:t>
             </a:fld>
             <a:endParaRPr lang="en-US" dirty="0"/>
           </a:p>
@@ -457,7 +462,7 @@
           <a:p>
             <a:fld id="{48A87A34-81AB-432B-8DAE-1953F412C126}" type="datetimeFigureOut">
               <a:rPr lang="en-US" dirty="0"/>
-              <a:t>2/25/24</a:t>
+              <a:t>2/26/24</a:t>
             </a:fld>
             <a:endParaRPr lang="en-US" dirty="0"/>
           </a:p>
@@ -667,7 +672,7 @@
           <a:p>
             <a:fld id="{48A87A34-81AB-432B-8DAE-1953F412C126}" type="datetimeFigureOut">
               <a:rPr lang="en-US" dirty="0"/>
-              <a:t>2/25/24</a:t>
+              <a:t>2/26/24</a:t>
             </a:fld>
             <a:endParaRPr lang="en-US" dirty="0"/>
           </a:p>
@@ -863,7 +868,7 @@
           <a:p>
             <a:fld id="{48A87A34-81AB-432B-8DAE-1953F412C126}" type="datetimeFigureOut">
               <a:rPr lang="en-US" dirty="0"/>
-              <a:t>2/25/24</a:t>
+              <a:t>2/26/24</a:t>
             </a:fld>
             <a:endParaRPr lang="en-US" dirty="0"/>
           </a:p>
@@ -1137,7 +1142,7 @@
           <a:p>
             <a:fld id="{48A87A34-81AB-432B-8DAE-1953F412C126}" type="datetimeFigureOut">
               <a:rPr lang="en-US" dirty="0"/>
-              <a:t>2/25/24</a:t>
+              <a:t>2/26/24</a:t>
             </a:fld>
             <a:endParaRPr lang="en-US" dirty="0"/>
           </a:p>
@@ -1400,7 +1405,7 @@
           <a:p>
             <a:fld id="{48A87A34-81AB-432B-8DAE-1953F412C126}" type="datetimeFigureOut">
               <a:rPr lang="en-US" dirty="0"/>
-              <a:t>2/25/24</a:t>
+              <a:t>2/26/24</a:t>
             </a:fld>
             <a:endParaRPr lang="en-US" dirty="0"/>
           </a:p>
@@ -1811,7 +1816,7 @@
           <a:p>
             <a:fld id="{48A87A34-81AB-432B-8DAE-1953F412C126}" type="datetimeFigureOut">
               <a:rPr lang="en-US" dirty="0"/>
-              <a:t>2/25/24</a:t>
+              <a:t>2/26/24</a:t>
             </a:fld>
             <a:endParaRPr lang="en-US" dirty="0"/>
           </a:p>
@@ -1955,7 +1960,7 @@
           <a:p>
             <a:fld id="{48A87A34-81AB-432B-8DAE-1953F412C126}" type="datetimeFigureOut">
               <a:rPr lang="en-US" dirty="0"/>
-              <a:t>2/25/24</a:t>
+              <a:t>2/26/24</a:t>
             </a:fld>
             <a:endParaRPr lang="en-US" dirty="0"/>
           </a:p>
@@ -2076,7 +2081,7 @@
           <a:p>
             <a:fld id="{48A87A34-81AB-432B-8DAE-1953F412C126}" type="datetimeFigureOut">
               <a:rPr lang="en-US" dirty="0"/>
-              <a:t>2/25/24</a:t>
+              <a:t>2/26/24</a:t>
             </a:fld>
             <a:endParaRPr lang="en-US" dirty="0"/>
           </a:p>
@@ -2322,7 +2327,7 @@
           <a:p>
             <a:fld id="{48A87A34-81AB-432B-8DAE-1953F412C126}" type="datetimeFigureOut">
               <a:rPr lang="en-US" dirty="0"/>
-              <a:t>2/25/24</a:t>
+              <a:t>2/26/24</a:t>
             </a:fld>
             <a:endParaRPr lang="en-US" dirty="0"/>
           </a:p>
@@ -2763,7 +2768,7 @@
             <a:fld id="{48A87A34-81AB-432B-8DAE-1953F412C126}" type="datetimeFigureOut">
               <a:rPr lang="en-US" dirty="0"/>
               <a:pPr/>
-              <a:t>2/25/24</a:t>
+              <a:t>2/26/24</a:t>
             </a:fld>
             <a:endParaRPr lang="en-US" dirty="0"/>
           </a:p>
@@ -3086,7 +3091,7 @@
             <a:fld id="{48A87A34-81AB-432B-8DAE-1953F412C126}" type="datetimeFigureOut">
               <a:rPr lang="en-US" dirty="0"/>
               <a:pPr/>
-              <a:t>2/25/24</a:t>
+              <a:t>2/26/24</a:t>
             </a:fld>
             <a:endParaRPr lang="en-US" dirty="0"/>
           </a:p>
@@ -4018,7 +4023,7 @@
           <a:p>
             <a:r>
               <a:rPr lang="en-US" dirty="0"/>
-              <a:t>Improve AI model (Only gives what action to take based off information, improve it so it adjusts more to the players actions and how they play. Only learns a play style as of now based off the dataset it is trained on)</a:t>
+              <a:t>Improve AI model (Only gives what action to take based off information, improve it so it adjusts more to the players actions and how they play. Only learns a play style as of now based off the dataset it is trained on) (Train it on more data, limited amount of data)</a:t>
             </a:r>
           </a:p>
           <a:p>

--- a/powerpoint/poker ai presentation.pptx
+++ b/powerpoint/poker ai presentation.pptx
@@ -3814,7 +3814,7 @@
           <a:p>
             <a:r>
               <a:rPr lang="en-US" dirty="0"/>
-              <a:t>Became more efficient in SQL (i.e. loading and extracting data from tables, setting up tables)</a:t>
+              <a:t>Became more efficient in SQL and data management (i.e. loading and extracting data from tables, setting up tables)</a:t>
             </a:r>
           </a:p>
           <a:p>
@@ -4031,6 +4031,17 @@
               <a:rPr lang="en-US" dirty="0"/>
               <a:t>Make code more clean and efficient, some repeating of code where a function could have been made instead etc.</a:t>
             </a:r>
+          </a:p>
+          <a:p>
+            <a:r>
+              <a:rPr lang="en-US" dirty="0"/>
+              <a:t>Have the actions from the player in the game be read by the poker AI did not get around to </a:t>
+            </a:r>
+            <a:r>
+              <a:rPr lang="en-US"/>
+              <a:t>implementing this</a:t>
+            </a:r>
+            <a:endParaRPr lang="en-US" dirty="0"/>
           </a:p>
           <a:p>
             <a:r>

--- a/powerpoint/poker ai presentation.pptx
+++ b/powerpoint/poker ai presentation.pptx
@@ -7,8 +7,8 @@
   <p:sldIdLst>
     <p:sldId id="256" r:id="rId2"/>
     <p:sldId id="257" r:id="rId3"/>
-    <p:sldId id="258" r:id="rId4"/>
-    <p:sldId id="259" r:id="rId5"/>
+    <p:sldId id="259" r:id="rId4"/>
+    <p:sldId id="258" r:id="rId5"/>
     <p:sldId id="260" r:id="rId6"/>
     <p:sldId id="261" r:id="rId7"/>
   </p:sldIdLst>
@@ -3710,7 +3710,7 @@
           <a:p>
             <a:r>
               <a:rPr lang="en-US" dirty="0"/>
-              <a:t>Database (what had to be done for it, i.e. data extraction, only added games that have 4 folds on the preflop)</a:t>
+              <a:t>Database (data extraction, insertion, query's)</a:t>
             </a:r>
           </a:p>
           <a:p>
@@ -3722,8 +3722,13 @@
           <a:p>
             <a:r>
               <a:rPr lang="en-US" dirty="0"/>
-              <a:t>Poker AI (setting up, training, testing, integration to game)</a:t>
-            </a:r>
+              <a:t>Poker AI (decision tree model, supervised learning</a:t>
+            </a:r>
+            <a:r>
+              <a:rPr lang="en-US"/>
+              <a:t>, evaluation, fine tuning)</a:t>
+            </a:r>
+            <a:endParaRPr lang="en-US" dirty="0"/>
           </a:p>
         </p:txBody>
       </p:sp>
@@ -3762,7 +3767,7 @@
           <p:cNvPr id="2" name="Title 1">
             <a:extLst>
               <a:ext uri="{FF2B5EF4-FFF2-40B4-BE49-F238E27FC236}">
-                <a16:creationId xmlns:a16="http://schemas.microsoft.com/office/drawing/2014/main" id="{08E644A3-D6F7-D6DE-03B9-4042967F4030}"/>
+                <a16:creationId xmlns:a16="http://schemas.microsoft.com/office/drawing/2014/main" id="{033D7936-E057-8C03-B205-6E00AD5DF454}"/>
               </a:ext>
             </a:extLst>
           </p:cNvPr>
@@ -3780,7 +3785,7 @@
           <a:p>
             <a:r>
               <a:rPr lang="en-US" dirty="0"/>
-              <a:t>What we learned</a:t>
+              <a:t>Problems we had to solve</a:t>
             </a:r>
           </a:p>
         </p:txBody>
@@ -3790,7 +3795,7 @@
           <p:cNvPr id="3" name="Content Placeholder 2">
             <a:extLst>
               <a:ext uri="{FF2B5EF4-FFF2-40B4-BE49-F238E27FC236}">
-                <a16:creationId xmlns:a16="http://schemas.microsoft.com/office/drawing/2014/main" id="{281CEDD8-AC2B-73A8-428F-6FC6C73DD117}"/>
+                <a16:creationId xmlns:a16="http://schemas.microsoft.com/office/drawing/2014/main" id="{BF4668F6-DC14-B898-1DAA-079953E551E3}"/>
               </a:ext>
             </a:extLst>
           </p:cNvPr>
@@ -3808,30 +3813,43 @@
           <a:p>
             <a:r>
               <a:rPr lang="en-US" dirty="0"/>
-              <a:t>How to format poker hands to use to train an AI model (i.e. cleaning data, conversion to numerical values)</a:t>
-            </a:r>
-          </a:p>
-          <a:p>
-            <a:r>
-              <a:rPr lang="en-US" dirty="0"/>
-              <a:t>Became more efficient in SQL and data management (i.e. loading and extracting data from tables, setting up tables)</a:t>
-            </a:r>
-          </a:p>
-          <a:p>
-            <a:r>
-              <a:rPr lang="en-US" dirty="0"/>
-              <a:t>Learned about different AI models and what one would work best for us based on our plan (using a dataset to train it)</a:t>
-            </a:r>
-          </a:p>
-          <a:p>
-            <a:endParaRPr lang="en-US" dirty="0"/>
+              <a:t>Setting up the database so it stored the correct information to train the AI on and that each row showed the correct value (i.e. </a:t>
+            </a:r>
+            <a:r>
+              <a:rPr lang="en-US" dirty="0" err="1"/>
+              <a:t>player_hand_ranking</a:t>
+            </a:r>
+            <a:r>
+              <a:rPr lang="en-US" dirty="0"/>
+              <a:t> column problems)</a:t>
+            </a:r>
+          </a:p>
+          <a:p>
+            <a:r>
+              <a:rPr lang="en-US" dirty="0"/>
+              <a:t>Where our code crossed over with each other hand to change both of ours so things were formatted in the same way (i.e. how information was extracted from the game compared to how it was stored in the </a:t>
+            </a:r>
+            <a:r>
+              <a:rPr lang="en-US" dirty="0" err="1"/>
+              <a:t>db</a:t>
+            </a:r>
+            <a:r>
+              <a:rPr lang="en-US" dirty="0"/>
+              <a:t>)</a:t>
+            </a:r>
+          </a:p>
+          <a:p>
+            <a:r>
+              <a:rPr lang="en-US" dirty="0"/>
+              <a:t>Poker game or base model problems?</a:t>
+            </a:r>
           </a:p>
         </p:txBody>
       </p:sp>
     </p:spTree>
     <p:extLst>
       <p:ext uri="{BB962C8B-B14F-4D97-AF65-F5344CB8AC3E}">
-        <p14:creationId xmlns:p14="http://schemas.microsoft.com/office/powerpoint/2010/main" val="3951366805"/>
+        <p14:creationId xmlns:p14="http://schemas.microsoft.com/office/powerpoint/2010/main" val="1828848490"/>
       </p:ext>
     </p:extLst>
   </p:cSld>
@@ -3863,7 +3881,7 @@
           <p:cNvPr id="2" name="Title 1">
             <a:extLst>
               <a:ext uri="{FF2B5EF4-FFF2-40B4-BE49-F238E27FC236}">
-                <a16:creationId xmlns:a16="http://schemas.microsoft.com/office/drawing/2014/main" id="{033D7936-E057-8C03-B205-6E00AD5DF454}"/>
+                <a16:creationId xmlns:a16="http://schemas.microsoft.com/office/drawing/2014/main" id="{08E644A3-D6F7-D6DE-03B9-4042967F4030}"/>
               </a:ext>
             </a:extLst>
           </p:cNvPr>
@@ -3881,7 +3899,7 @@
           <a:p>
             <a:r>
               <a:rPr lang="en-US" dirty="0"/>
-              <a:t>Problems we had to solve</a:t>
+              <a:t>What we learned</a:t>
             </a:r>
           </a:p>
         </p:txBody>
@@ -3891,7 +3909,7 @@
           <p:cNvPr id="3" name="Content Placeholder 2">
             <a:extLst>
               <a:ext uri="{FF2B5EF4-FFF2-40B4-BE49-F238E27FC236}">
-                <a16:creationId xmlns:a16="http://schemas.microsoft.com/office/drawing/2014/main" id="{BF4668F6-DC14-B898-1DAA-079953E551E3}"/>
+                <a16:creationId xmlns:a16="http://schemas.microsoft.com/office/drawing/2014/main" id="{281CEDD8-AC2B-73A8-428F-6FC6C73DD117}"/>
               </a:ext>
             </a:extLst>
           </p:cNvPr>
@@ -3909,43 +3927,30 @@
           <a:p>
             <a:r>
               <a:rPr lang="en-US" dirty="0"/>
-              <a:t>Setting up the database so it stored the correct information to train the AI on and that each row showed the correct value (i.e. </a:t>
-            </a:r>
-            <a:r>
-              <a:rPr lang="en-US" dirty="0" err="1"/>
-              <a:t>player_hand_ranking</a:t>
-            </a:r>
-            <a:r>
-              <a:rPr lang="en-US" dirty="0"/>
-              <a:t> column problems)</a:t>
-            </a:r>
-          </a:p>
-          <a:p>
-            <a:r>
-              <a:rPr lang="en-US" dirty="0"/>
-              <a:t>Where our code crossed over with each other hand to change both of ours so things were formatted in the same way (i.e. how information was extracted from the game compared to how it was stored in the </a:t>
-            </a:r>
-            <a:r>
-              <a:rPr lang="en-US" dirty="0" err="1"/>
-              <a:t>db</a:t>
-            </a:r>
-            <a:r>
-              <a:rPr lang="en-US" dirty="0"/>
-              <a:t>)</a:t>
-            </a:r>
-          </a:p>
-          <a:p>
-            <a:r>
-              <a:rPr lang="en-US" dirty="0"/>
-              <a:t>Poker game or base model problems?</a:t>
-            </a:r>
+              <a:t>How to format poker hands to use to train an AI model (i.e. cleaning data, conversion to numerical values)</a:t>
+            </a:r>
+          </a:p>
+          <a:p>
+            <a:r>
+              <a:rPr lang="en-US" dirty="0"/>
+              <a:t>Became more efficient in SQL and data management (i.e. loading and extracting data from tables, setting up tables)</a:t>
+            </a:r>
+          </a:p>
+          <a:p>
+            <a:r>
+              <a:rPr lang="en-US" dirty="0"/>
+              <a:t>Learned about different AI models and what one would work best for us based on our plan (using a dataset to train it)</a:t>
+            </a:r>
+          </a:p>
+          <a:p>
+            <a:endParaRPr lang="en-US" dirty="0"/>
           </a:p>
         </p:txBody>
       </p:sp>
     </p:spTree>
     <p:extLst>
       <p:ext uri="{BB962C8B-B14F-4D97-AF65-F5344CB8AC3E}">
-        <p14:creationId xmlns:p14="http://schemas.microsoft.com/office/powerpoint/2010/main" val="1828848490"/>
+        <p14:creationId xmlns:p14="http://schemas.microsoft.com/office/powerpoint/2010/main" val="3951366805"/>
       </p:ext>
     </p:extLst>
   </p:cSld>

--- a/powerpoint/poker ai presentation.pptx
+++ b/powerpoint/poker ai presentation.pptx
@@ -3722,13 +3722,8 @@
           <a:p>
             <a:r>
               <a:rPr lang="en-US" dirty="0"/>
-              <a:t>Poker AI (decision tree model, supervised learning</a:t>
-            </a:r>
-            <a:r>
-              <a:rPr lang="en-US"/>
-              <a:t>, evaluation, fine tuning)</a:t>
-            </a:r>
-            <a:endParaRPr lang="en-US" dirty="0"/>
+              <a:t>Poker AI (decision tree model, supervised learning, evaluation, fine tuning)</a:t>
+            </a:r>
           </a:p>
         </p:txBody>
       </p:sp>
@@ -3813,7 +3808,7 @@
           <a:p>
             <a:r>
               <a:rPr lang="en-US" dirty="0"/>
-              <a:t>Setting up the database so it stored the correct information to train the AI on and that each row showed the correct value (i.e. </a:t>
+              <a:t>Setting up the database so it stored the correct information to train the AI on (i.e. </a:t>
             </a:r>
             <a:r>
               <a:rPr lang="en-US" dirty="0" err="1"/>
@@ -3821,13 +3816,13 @@
             </a:r>
             <a:r>
               <a:rPr lang="en-US" dirty="0"/>
-              <a:t> column problems)</a:t>
-            </a:r>
-          </a:p>
-          <a:p>
-            <a:r>
-              <a:rPr lang="en-US" dirty="0"/>
-              <a:t>Where our code crossed over with each other hand to change both of ours so things were formatted in the same way (i.e. how information was extracted from the game compared to how it was stored in the </a:t>
+              <a:t> column)</a:t>
+            </a:r>
+          </a:p>
+          <a:p>
+            <a:r>
+              <a:rPr lang="en-US" dirty="0"/>
+              <a:t>Where our code crossed over we both had to change things in our code as was not passing the same information around(i.e. how information was extracted from the game compared to how it was stored in the </a:t>
             </a:r>
             <a:r>
               <a:rPr lang="en-US" dirty="0" err="1"/>
@@ -3835,13 +3830,24 @@
             </a:r>
             <a:r>
               <a:rPr lang="en-US" dirty="0"/>
-              <a:t>)</a:t>
-            </a:r>
-          </a:p>
-          <a:p>
-            <a:r>
-              <a:rPr lang="en-US" dirty="0"/>
-              <a:t>Poker game or base model problems?</a:t>
+              <a:t> and used by the ai model)</a:t>
+            </a:r>
+          </a:p>
+          <a:p>
+            <a:r>
+              <a:rPr lang="en-US" dirty="0"/>
+              <a:t>AI </a:t>
+            </a:r>
+            <a:r>
+              <a:rPr lang="en-US"/>
+              <a:t>model implementation into the game</a:t>
+            </a:r>
+            <a:endParaRPr lang="en-US" dirty="0"/>
+          </a:p>
+          <a:p>
+            <a:r>
+              <a:rPr lang="en-US" dirty="0"/>
+              <a:t>Poker game problems</a:t>
             </a:r>
           </a:p>
         </p:txBody>
@@ -4028,30 +4034,25 @@
           <a:p>
             <a:r>
               <a:rPr lang="en-US" dirty="0"/>
-              <a:t>Improve AI model (Only gives what action to take based off information, improve it so it adjusts more to the players actions and how they play. Only learns a play style as of now based off the dataset it is trained on) (Train it on more data, limited amount of data)</a:t>
-            </a:r>
-          </a:p>
-          <a:p>
-            <a:r>
-              <a:rPr lang="en-US" dirty="0"/>
-              <a:t>Make code more clean and efficient, some repeating of code where a function could have been made instead etc.</a:t>
-            </a:r>
-          </a:p>
-          <a:p>
-            <a:r>
-              <a:rPr lang="en-US" dirty="0"/>
-              <a:t>Have the actions from the player in the game be read by the poker AI did not get around to </a:t>
-            </a:r>
-            <a:r>
-              <a:rPr lang="en-US"/>
-              <a:t>implementing this</a:t>
-            </a:r>
-            <a:endParaRPr lang="en-US" dirty="0"/>
-          </a:p>
-          <a:p>
-            <a:r>
-              <a:rPr lang="en-US" dirty="0"/>
-              <a:t>Improvements to poker game?</a:t>
+              <a:t>Improve AI model (Only gives action to do, improve to adjust to players style. Only learns a play style based off the dataset trained on) (Train it on more data, limited amount of data)</a:t>
+            </a:r>
+          </a:p>
+          <a:p>
+            <a:r>
+              <a:rPr lang="en-US" dirty="0"/>
+              <a:t>Make code more clean and efficient</a:t>
+            </a:r>
+          </a:p>
+          <a:p>
+            <a:r>
+              <a:rPr lang="en-US" dirty="0"/>
+              <a:t>Have the actions from the player in the game be read by the poker AI </a:t>
+            </a:r>
+          </a:p>
+          <a:p>
+            <a:r>
+              <a:rPr lang="en-US" dirty="0"/>
+              <a:t>Implementing AI model into the game, did not get it fully working</a:t>
             </a:r>
           </a:p>
         </p:txBody>
